--- a/chinese/天父的花園.pptx
+++ b/chinese/天父的花園.pptx
@@ -441,7 +441,7 @@
             <a:fld id="{BE28A310-4F55-4C17-B227-0167E754C3F0}" type="datetimeFigureOut">
               <a:rPr lang="zh-TW" altLang="en-US" smtClean="0"/>
               <a:pPr/>
-              <a:t>2018/10/1</a:t>
+              <a:t>2019/4/9</a:t>
             </a:fld>
             <a:endParaRPr lang="zh-TW" altLang="en-US"/>
           </a:p>
@@ -838,7 +838,7 @@
             <a:fld id="{BE28A310-4F55-4C17-B227-0167E754C3F0}" type="datetimeFigureOut">
               <a:rPr lang="zh-TW" altLang="en-US" smtClean="0"/>
               <a:pPr/>
-              <a:t>2018/10/1</a:t>
+              <a:t>2019/4/9</a:t>
             </a:fld>
             <a:endParaRPr lang="zh-TW" altLang="en-US"/>
           </a:p>
@@ -1376,7 +1376,7 @@
             <a:fld id="{BE28A310-4F55-4C17-B227-0167E754C3F0}" type="datetimeFigureOut">
               <a:rPr lang="zh-TW" altLang="en-US" smtClean="0"/>
               <a:pPr/>
-              <a:t>2018/10/1</a:t>
+              <a:t>2019/4/9</a:t>
             </a:fld>
             <a:endParaRPr lang="zh-TW" altLang="en-US"/>
           </a:p>
@@ -1693,7 +1693,7 @@
             <a:fld id="{BE28A310-4F55-4C17-B227-0167E754C3F0}" type="datetimeFigureOut">
               <a:rPr lang="zh-TW" altLang="en-US" smtClean="0"/>
               <a:pPr/>
-              <a:t>2018/10/1</a:t>
+              <a:t>2019/4/9</a:t>
             </a:fld>
             <a:endParaRPr lang="zh-TW" altLang="en-US"/>
           </a:p>
@@ -2148,7 +2148,7 @@
             <a:fld id="{BE28A310-4F55-4C17-B227-0167E754C3F0}" type="datetimeFigureOut">
               <a:rPr lang="zh-TW" altLang="en-US" smtClean="0"/>
               <a:pPr/>
-              <a:t>2018/10/1</a:t>
+              <a:t>2019/4/9</a:t>
             </a:fld>
             <a:endParaRPr lang="zh-TW" altLang="en-US"/>
           </a:p>
@@ -2525,7 +2525,7 @@
             <a:fld id="{BE28A310-4F55-4C17-B227-0167E754C3F0}" type="datetimeFigureOut">
               <a:rPr lang="zh-TW" altLang="en-US" smtClean="0"/>
               <a:pPr/>
-              <a:t>2018/10/1</a:t>
+              <a:t>2019/4/9</a:t>
             </a:fld>
             <a:endParaRPr lang="zh-TW" altLang="en-US"/>
           </a:p>
@@ -2841,7 +2841,7 @@
             <a:fld id="{BE28A310-4F55-4C17-B227-0167E754C3F0}" type="datetimeFigureOut">
               <a:rPr lang="zh-TW" altLang="en-US" smtClean="0"/>
               <a:pPr/>
-              <a:t>2018/10/1</a:t>
+              <a:t>2019/4/9</a:t>
             </a:fld>
             <a:endParaRPr lang="zh-TW" altLang="en-US"/>
           </a:p>
@@ -3162,7 +3162,7 @@
             <a:fld id="{BE28A310-4F55-4C17-B227-0167E754C3F0}" type="datetimeFigureOut">
               <a:rPr lang="zh-TW" altLang="en-US" smtClean="0"/>
               <a:pPr/>
-              <a:t>2018/10/1</a:t>
+              <a:t>2019/4/9</a:t>
             </a:fld>
             <a:endParaRPr lang="zh-TW" altLang="en-US"/>
           </a:p>
@@ -3483,7 +3483,7 @@
             <a:fld id="{BE28A310-4F55-4C17-B227-0167E754C3F0}" type="datetimeFigureOut">
               <a:rPr lang="zh-TW" altLang="en-US" smtClean="0"/>
               <a:pPr/>
-              <a:t>2018/10/1</a:t>
+              <a:t>2019/4/9</a:t>
             </a:fld>
             <a:endParaRPr lang="zh-TW" altLang="en-US"/>
           </a:p>
@@ -3871,7 +3871,7 @@
             <a:fld id="{BE28A310-4F55-4C17-B227-0167E754C3F0}" type="datetimeFigureOut">
               <a:rPr lang="zh-TW" altLang="en-US" smtClean="0"/>
               <a:pPr/>
-              <a:t>2018/10/1</a:t>
+              <a:t>2019/4/9</a:t>
             </a:fld>
             <a:endParaRPr lang="zh-TW" altLang="en-US"/>
           </a:p>
@@ -4253,7 +4253,7 @@
             <a:fld id="{BE28A310-4F55-4C17-B227-0167E754C3F0}" type="datetimeFigureOut">
               <a:rPr lang="zh-TW" altLang="en-US" smtClean="0"/>
               <a:pPr/>
-              <a:t>2018/10/1</a:t>
+              <a:t>2019/4/9</a:t>
             </a:fld>
             <a:endParaRPr lang="zh-TW" altLang="en-US"/>
           </a:p>
@@ -4764,7 +4764,7 @@
             <a:fld id="{BE28A310-4F55-4C17-B227-0167E754C3F0}" type="datetimeFigureOut">
               <a:rPr lang="zh-TW" altLang="en-US" smtClean="0"/>
               <a:pPr/>
-              <a:t>2018/10/1</a:t>
+              <a:t>2019/4/9</a:t>
             </a:fld>
             <a:endParaRPr lang="zh-TW" altLang="en-US"/>
           </a:p>
@@ -5028,7 +5028,7 @@
             <a:fld id="{BE28A310-4F55-4C17-B227-0167E754C3F0}" type="datetimeFigureOut">
               <a:rPr lang="zh-TW" altLang="en-US" smtClean="0"/>
               <a:pPr/>
-              <a:t>2018/10/1</a:t>
+              <a:t>2019/4/9</a:t>
             </a:fld>
             <a:endParaRPr lang="zh-TW" altLang="en-US"/>
           </a:p>
@@ -5264,7 +5264,7 @@
             <a:fld id="{BE28A310-4F55-4C17-B227-0167E754C3F0}" type="datetimeFigureOut">
               <a:rPr lang="zh-TW" altLang="en-US" smtClean="0"/>
               <a:pPr/>
-              <a:t>2018/10/1</a:t>
+              <a:t>2019/4/9</a:t>
             </a:fld>
             <a:endParaRPr lang="zh-TW" altLang="en-US"/>
           </a:p>
@@ -5656,7 +5656,7 @@
             <a:fld id="{BE28A310-4F55-4C17-B227-0167E754C3F0}" type="datetimeFigureOut">
               <a:rPr lang="zh-TW" altLang="en-US" smtClean="0"/>
               <a:pPr/>
-              <a:t>2018/10/1</a:t>
+              <a:t>2019/4/9</a:t>
             </a:fld>
             <a:endParaRPr lang="zh-TW" altLang="en-US"/>
           </a:p>
@@ -6061,7 +6061,7 @@
             <a:fld id="{BE28A310-4F55-4C17-B227-0167E754C3F0}" type="datetimeFigureOut">
               <a:rPr lang="zh-TW" altLang="en-US" smtClean="0"/>
               <a:pPr/>
-              <a:t>2018/10/1</a:t>
+              <a:t>2019/4/9</a:t>
             </a:fld>
             <a:endParaRPr lang="zh-TW" altLang="en-US"/>
           </a:p>
@@ -9054,7 +9054,7 @@
             <a:fld id="{BE28A310-4F55-4C17-B227-0167E754C3F0}" type="datetimeFigureOut">
               <a:rPr lang="zh-TW" altLang="en-US" smtClean="0"/>
               <a:pPr/>
-              <a:t>2018/10/1</a:t>
+              <a:t>2019/4/9</a:t>
             </a:fld>
             <a:endParaRPr lang="zh-TW" altLang="en-US"/>
           </a:p>
@@ -11950,44 +11950,6 @@
       </p:grpSpPr>
       <p:sp>
         <p:nvSpPr>
-          <p:cNvPr id="2" name="標題 1"/>
-          <p:cNvSpPr>
-            <a:spLocks noGrp="1"/>
-          </p:cNvSpPr>
-          <p:nvPr>
-            <p:ph type="title"/>
-          </p:nvPr>
-        </p:nvSpPr>
-        <p:spPr/>
-        <p:txBody>
-          <a:bodyPr/>
-          <a:lstStyle/>
-          <a:p>
-            <a:endParaRPr lang="zh-TW" altLang="en-US"/>
-          </a:p>
-        </p:txBody>
-      </p:sp>
-      <p:sp>
-        <p:nvSpPr>
-          <p:cNvPr id="3" name="內容版面配置區 2"/>
-          <p:cNvSpPr>
-            <a:spLocks noGrp="1"/>
-          </p:cNvSpPr>
-          <p:nvPr>
-            <p:ph idx="1"/>
-          </p:nvPr>
-        </p:nvSpPr>
-        <p:spPr/>
-        <p:txBody>
-          <a:bodyPr/>
-          <a:lstStyle/>
-          <a:p>
-            <a:endParaRPr lang="zh-TW" altLang="en-US" dirty="0"/>
-          </a:p>
-        </p:txBody>
-      </p:sp>
-      <p:sp>
-        <p:nvSpPr>
           <p:cNvPr id="5" name="文字方塊 4"/>
           <p:cNvSpPr txBox="1"/>
           <p:nvPr/>
@@ -13460,25 +13422,6 @@
           <a:chExt cx="0" cy="0"/>
         </a:xfrm>
       </p:grpSpPr>
-      <p:sp>
-        <p:nvSpPr>
-          <p:cNvPr id="2" name="標題 1"/>
-          <p:cNvSpPr>
-            <a:spLocks noGrp="1"/>
-          </p:cNvSpPr>
-          <p:nvPr>
-            <p:ph type="title"/>
-          </p:nvPr>
-        </p:nvSpPr>
-        <p:spPr/>
-        <p:txBody>
-          <a:bodyPr/>
-          <a:lstStyle/>
-          <a:p>
-            <a:endParaRPr lang="zh-TW" altLang="en-US"/>
-          </a:p>
-        </p:txBody>
-      </p:sp>
       <p:sp>
         <p:nvSpPr>
           <p:cNvPr id="3" name="內容版面配置區 2"/>
@@ -14078,7 +14021,7 @@
   <a:extraClrSchemeLst/>
   <a:extLst>
     <a:ext uri="{05A4C25C-085E-4340-85A3-A5531E510DB2}">
-      <thm15:themeFamily xmlns:thm15="http://schemas.microsoft.com/office/thememl/2012/main" xmlns="" name="Wisp" id="{7CB32D59-10C0-40DD-B7BD-2E94284A981C}" vid="{24B1A44C-C006-48B2-A4D7-E5549B3D8CD4}"/>
+      <thm15:themeFamily xmlns="" xmlns:thm15="http://schemas.microsoft.com/office/thememl/2012/main" name="Wisp" id="{7CB32D59-10C0-40DD-B7BD-2E94284A981C}" vid="{24B1A44C-C006-48B2-A4D7-E5549B3D8CD4}"/>
     </a:ext>
   </a:extLst>
 </a:theme>
